--- a/어셈블리_2021563060정미주.pptx
+++ b/어셈블리_2021563060정미주.pptx
@@ -122,6 +122,11 @@
       </a:defRPr>
     </a:lvl9pPr>
   </p:defaultTextStyle>
+  <p:extLst>
+    <p:ext uri="{EFAFB233-063F-42B5-8137-9DF3F51BA10A}">
+      <p15:sldGuideLst xmlns:p15="http://schemas.microsoft.com/office/powerpoint/2012/main"/>
+    </p:ext>
+  </p:extLst>
 </p:presentation>
 </file>
 
@@ -294,7 +299,7 @@
           <a:p>
             <a:fld id="{C6DC153E-070D-4E31-A318-B0D34F9E873D}" type="datetimeFigureOut">
               <a:rPr lang="ko-KR" altLang="en-US" smtClean="0"/>
-              <a:t>2025-12-09</a:t>
+              <a:t>2025-12-11</a:t>
             </a:fld>
             <a:endParaRPr lang="ko-KR" altLang="en-US"/>
           </a:p>
@@ -624,7 +629,7 @@
           <a:p>
             <a:fld id="{C6DC153E-070D-4E31-A318-B0D34F9E873D}" type="datetimeFigureOut">
               <a:rPr lang="ko-KR" altLang="en-US" smtClean="0"/>
-              <a:t>2025-12-09</a:t>
+              <a:t>2025-12-11</a:t>
             </a:fld>
             <a:endParaRPr lang="ko-KR" altLang="en-US"/>
           </a:p>
@@ -804,7 +809,7 @@
           <a:p>
             <a:fld id="{C6DC153E-070D-4E31-A318-B0D34F9E873D}" type="datetimeFigureOut">
               <a:rPr lang="ko-KR" altLang="en-US" smtClean="0"/>
-              <a:t>2025-12-09</a:t>
+              <a:t>2025-12-11</a:t>
             </a:fld>
             <a:endParaRPr lang="ko-KR" altLang="en-US"/>
           </a:p>
@@ -974,7 +979,7 @@
           <a:p>
             <a:fld id="{C6DC153E-070D-4E31-A318-B0D34F9E873D}" type="datetimeFigureOut">
               <a:rPr lang="ko-KR" altLang="en-US" smtClean="0"/>
-              <a:t>2025-12-09</a:t>
+              <a:t>2025-12-11</a:t>
             </a:fld>
             <a:endParaRPr lang="ko-KR" altLang="en-US"/>
           </a:p>
@@ -1251,7 +1256,7 @@
           <a:p>
             <a:fld id="{C6DC153E-070D-4E31-A318-B0D34F9E873D}" type="datetimeFigureOut">
               <a:rPr lang="ko-KR" altLang="en-US" smtClean="0"/>
-              <a:t>2025-12-09</a:t>
+              <a:t>2025-12-11</a:t>
             </a:fld>
             <a:endParaRPr lang="ko-KR" altLang="en-US"/>
           </a:p>
@@ -1645,7 +1650,7 @@
           <a:p>
             <a:fld id="{C6DC153E-070D-4E31-A318-B0D34F9E873D}" type="datetimeFigureOut">
               <a:rPr lang="ko-KR" altLang="en-US" smtClean="0"/>
-              <a:t>2025-12-09</a:t>
+              <a:t>2025-12-11</a:t>
             </a:fld>
             <a:endParaRPr lang="ko-KR" altLang="en-US"/>
           </a:p>
@@ -2122,7 +2127,7 @@
           <a:p>
             <a:fld id="{C6DC153E-070D-4E31-A318-B0D34F9E873D}" type="datetimeFigureOut">
               <a:rPr lang="ko-KR" altLang="en-US" smtClean="0"/>
-              <a:t>2025-12-09</a:t>
+              <a:t>2025-12-11</a:t>
             </a:fld>
             <a:endParaRPr lang="ko-KR" altLang="en-US"/>
           </a:p>
@@ -2240,7 +2245,7 @@
           <a:p>
             <a:fld id="{C6DC153E-070D-4E31-A318-B0D34F9E873D}" type="datetimeFigureOut">
               <a:rPr lang="ko-KR" altLang="en-US" smtClean="0"/>
-              <a:t>2025-12-09</a:t>
+              <a:t>2025-12-11</a:t>
             </a:fld>
             <a:endParaRPr lang="ko-KR" altLang="en-US"/>
           </a:p>
@@ -2335,7 +2340,7 @@
           <a:p>
             <a:fld id="{C6DC153E-070D-4E31-A318-B0D34F9E873D}" type="datetimeFigureOut">
               <a:rPr lang="ko-KR" altLang="en-US" smtClean="0"/>
-              <a:t>2025-12-09</a:t>
+              <a:t>2025-12-11</a:t>
             </a:fld>
             <a:endParaRPr lang="ko-KR" altLang="en-US"/>
           </a:p>
@@ -2681,7 +2686,7 @@
           <a:p>
             <a:fld id="{C6DC153E-070D-4E31-A318-B0D34F9E873D}" type="datetimeFigureOut">
               <a:rPr lang="ko-KR" altLang="en-US" smtClean="0"/>
-              <a:t>2025-12-09</a:t>
+              <a:t>2025-12-11</a:t>
             </a:fld>
             <a:endParaRPr lang="ko-KR" altLang="en-US"/>
           </a:p>
@@ -3069,7 +3074,7 @@
           <a:p>
             <a:fld id="{C6DC153E-070D-4E31-A318-B0D34F9E873D}" type="datetimeFigureOut">
               <a:rPr lang="ko-KR" altLang="en-US" smtClean="0"/>
-              <a:t>2025-12-09</a:t>
+              <a:t>2025-12-11</a:t>
             </a:fld>
             <a:endParaRPr lang="ko-KR" altLang="en-US"/>
           </a:p>
@@ -3347,7 +3352,7 @@
           <a:p>
             <a:fld id="{C6DC153E-070D-4E31-A318-B0D34F9E873D}" type="datetimeFigureOut">
               <a:rPr lang="ko-KR" altLang="en-US" smtClean="0"/>
-              <a:t>2025-12-09</a:t>
+              <a:t>2025-12-11</a:t>
             </a:fld>
             <a:endParaRPr lang="ko-KR" altLang="en-US"/>
           </a:p>
@@ -6222,19 +6227,23 @@
               <a:t>점수 </a:t>
             </a:r>
             <a:r>
-              <a:rPr lang="en-US" altLang="ko-KR" dirty="0">
+              <a:rPr lang="en-US" altLang="ko-KR">
                 <a:latin typeface="HY견고딕" panose="02030600000101010101" pitchFamily="18" charset="-127"/>
                 <a:ea typeface="HY견고딕" panose="02030600000101010101" pitchFamily="18" charset="-127"/>
               </a:rPr>
-              <a:t>: 10</a:t>
-            </a:r>
-            <a:r>
-              <a:rPr lang="ko-KR" altLang="en-US" dirty="0">
+              <a:t>: 8</a:t>
+            </a:r>
+            <a:r>
+              <a:rPr lang="ko-KR" altLang="en-US">
                 <a:latin typeface="HY견고딕" panose="02030600000101010101" pitchFamily="18" charset="-127"/>
                 <a:ea typeface="HY견고딕" panose="02030600000101010101" pitchFamily="18" charset="-127"/>
               </a:rPr>
               <a:t>점</a:t>
             </a:r>
+            <a:endParaRPr lang="ko-KR" altLang="en-US" dirty="0">
+              <a:latin typeface="HY견고딕" panose="02030600000101010101" pitchFamily="18" charset="-127"/>
+              <a:ea typeface="HY견고딕" panose="02030600000101010101" pitchFamily="18" charset="-127"/>
+            </a:endParaRPr>
           </a:p>
         </p:txBody>
       </p:sp>
